--- a/Presentations/1.4 JD+ on Github.pptx
+++ b/Presentations/1.4 JD+ on Github.pptx
@@ -7942,12 +7942,8 @@
           <a:lstStyle/>
           <a:p>
             <a:r>
-              <a:rPr lang="en-GB" dirty="0" err="1"/>
-              <a:t>JDemetra</a:t>
-            </a:r>
-            <a:r>
               <a:rPr lang="en-GB" dirty="0"/>
-              <a:t>+ resources on </a:t>
+              <a:t>JDemetra3+ resources on </a:t>
             </a:r>
             <a:r>
               <a:rPr lang="en-GB" dirty="0" err="1"/>
@@ -7979,8 +7975,8 @@
           <a:lstStyle/>
           <a:p>
             <a:r>
-              <a:rPr lang="en-GB" sz="2400" dirty="0"/>
-              <a:t>Graphical interface</a:t>
+              <a:rPr lang="en-GB" sz="2300" dirty="0"/>
+              <a:t>Core libraries (GUI/Cruncher)</a:t>
             </a:r>
           </a:p>
           <a:p>
@@ -7989,15 +7985,19 @@
               <a:rPr lang="en-GB" sz="2000" dirty="0">
                 <a:hlinkClick r:id="rId2"/>
               </a:rPr>
-              <a:t>https://github.com/jdemetra/jdemetra-app</a:t>
-            </a:r>
-            <a:endParaRPr lang="en-GB" sz="2000" dirty="0"/>
-          </a:p>
-          <a:p>
-            <a:r>
-              <a:rPr lang="en-GB" sz="2300" dirty="0"/>
-              <a:t>Core libraries</a:t>
-            </a:r>
+              <a:t>https://github.com/jdemetra/jdplus-main</a:t>
+            </a:r>
+            <a:r>
+              <a:rPr lang="en-GB" sz="2000" dirty="0"/>
+              <a:t> </a:t>
+            </a:r>
+          </a:p>
+          <a:p>
+            <a:r>
+              <a:rPr lang="en-GB" sz="2300" dirty="0" err="1"/>
+              <a:t>Rjdemetra</a:t>
+            </a:r>
+            <a:endParaRPr lang="en-GB" sz="2300" dirty="0"/>
           </a:p>
           <a:p>
             <a:pPr lvl="1"/>
@@ -8005,39 +8005,26 @@
               <a:rPr lang="en-GB" sz="2000" dirty="0">
                 <a:hlinkClick r:id="rId3"/>
               </a:rPr>
-              <a:t>https://github.com/jdemetra/jdemetra-core</a:t>
-            </a:r>
+              <a:t>https://github.com/rjdemetra</a:t>
+            </a:r>
+            <a:r>
+              <a:rPr lang="en-GB" sz="2000" dirty="0"/>
+              <a:t> </a:t>
+            </a:r>
+          </a:p>
+          <a:p>
+            <a:pPr lvl="1"/>
             <a:endParaRPr lang="en-GB" sz="2000" dirty="0"/>
           </a:p>
           <a:p>
-            <a:r>
-              <a:rPr lang="en-GB" sz="2300" dirty="0"/>
-              <a:t>Cruncher</a:t>
-            </a:r>
-          </a:p>
-          <a:p>
             <a:pPr lvl="1"/>
-            <a:r>
-              <a:rPr lang="en-GB" sz="2000" dirty="0"/>
-              <a:t>  </a:t>
-            </a:r>
             <a:r>
               <a:rPr lang="en-GB" sz="2000" dirty="0">
                 <a:hlinkClick r:id="rId4"/>
               </a:rPr>
-              <a:t>https://github.com/jdemetra/jwsacruncher</a:t>
-            </a:r>
-            <a:r>
-              <a:rPr lang="en-GB" sz="2000" dirty="0"/>
-              <a:t> </a:t>
-            </a:r>
-          </a:p>
-          <a:p>
-            <a:r>
-              <a:rPr lang="en-GB" sz="2300" dirty="0" err="1"/>
-              <a:t>Rjdemetra</a:t>
-            </a:r>
-            <a:endParaRPr lang="en-GB" sz="2300" dirty="0"/>
+              <a:t>https://github.com/rjdemetra/rjd3toolkit</a:t>
+            </a:r>
+            <a:endParaRPr lang="en-GB" sz="2000" dirty="0"/>
           </a:p>
           <a:p>
             <a:pPr lvl="1"/>
@@ -8045,23 +8032,9 @@
               <a:rPr lang="en-GB" sz="2000" dirty="0">
                 <a:hlinkClick r:id="rId5"/>
               </a:rPr>
-              <a:t>https://github.com/jdemetra/rjdemetra</a:t>
+              <a:t>https://github.com/rjdemetra/rjd3tramoseats</a:t>
             </a:r>
             <a:endParaRPr lang="en-GB" sz="2000" dirty="0"/>
-          </a:p>
-          <a:p>
-            <a:pPr lvl="1"/>
-            <a:r>
-              <a:rPr lang="en-GB" sz="2000" dirty="0"/>
-              <a:t>(also on CRAN)</a:t>
-            </a:r>
-          </a:p>
-          <a:p>
-            <a:r>
-              <a:rPr lang="en-GB" sz="2300" dirty="0" err="1"/>
-              <a:t>JDCruncherR</a:t>
-            </a:r>
-            <a:endParaRPr lang="en-GB" sz="2300" dirty="0"/>
           </a:p>
           <a:p>
             <a:pPr lvl="1"/>
@@ -8069,8 +8042,32 @@
               <a:rPr lang="en-GB" sz="2000" dirty="0">
                 <a:hlinkClick r:id="rId6"/>
               </a:rPr>
-              <a:t>https://github.com/InseeFr/JDCruncheR</a:t>
-            </a:r>
+              <a:t>https://github.com/rjdemetra/rjd3x13</a:t>
+            </a:r>
+            <a:endParaRPr lang="en-GB" sz="2000" dirty="0"/>
+          </a:p>
+          <a:p>
+            <a:pPr lvl="1"/>
+            <a:r>
+              <a:rPr lang="en-GB" sz="2000" dirty="0">
+                <a:hlinkClick r:id="rId7"/>
+              </a:rPr>
+              <a:t>https://github.com/rjdemetra/rjd3providers</a:t>
+            </a:r>
+            <a:endParaRPr lang="en-GB" sz="2000" dirty="0"/>
+          </a:p>
+          <a:p>
+            <a:pPr lvl="1"/>
+            <a:r>
+              <a:rPr lang="en-GB" sz="2000" dirty="0">
+                <a:hlinkClick r:id="rId8"/>
+              </a:rPr>
+              <a:t>https://github.com/rjdemetra/rjdemetra3</a:t>
+            </a:r>
+            <a:endParaRPr lang="en-GB" sz="2000" dirty="0"/>
+          </a:p>
+          <a:p>
+            <a:pPr lvl="1"/>
             <a:endParaRPr lang="en-GB" sz="2000" dirty="0"/>
           </a:p>
           <a:p>

--- a/Presentations/1.4 JD+ on Github.pptx
+++ b/Presentations/1.4 JD+ on Github.pptx
@@ -8067,8 +8067,26 @@
             <a:endParaRPr lang="en-GB" sz="2000" dirty="0"/>
           </a:p>
           <a:p>
+            <a:r>
+              <a:rPr lang="en-GB" sz="2300" dirty="0"/>
+              <a:t>Training</a:t>
+            </a:r>
+          </a:p>
+          <a:p>
             <a:pPr lvl="1"/>
-            <a:endParaRPr lang="en-GB" sz="2000" dirty="0"/>
+            <a:r>
+              <a:rPr lang="en-GB" sz="2000">
+                <a:hlinkClick r:id="rId9"/>
+              </a:rPr>
+              <a:t>https://github.com/palatej/estp2023</a:t>
+            </a:r>
+            <a:r>
+              <a:rPr lang="en-GB" sz="2000"/>
+              <a:t> </a:t>
+            </a:r>
+          </a:p>
+          <a:p>
+            <a:endParaRPr lang="en-GB" sz="2300" dirty="0"/>
           </a:p>
           <a:p>
             <a:pPr lvl="1"/>
